--- a/Heroku_hosting/heroku-server-hosting.pptx
+++ b/Heroku_hosting/heroku-server-hosting.pptx
@@ -5,11 +5,12 @@
     <p:sldMasterId id="2147483648" r:id="rId1"/>
   </p:sldMasterIdLst>
   <p:notesMasterIdLst>
-    <p:notesMasterId r:id="rId4"/>
+    <p:notesMasterId r:id="rId5"/>
   </p:notesMasterIdLst>
   <p:sldIdLst>
     <p:sldId id="256" r:id="rId2"/>
-    <p:sldId id="268" r:id="rId3"/>
+    <p:sldId id="269" r:id="rId3"/>
+    <p:sldId id="268" r:id="rId4"/>
   </p:sldIdLst>
   <p:sldSz cx="12192000" cy="6858000"/>
   <p:notesSz cx="6858000" cy="9144000"/>
@@ -210,7 +211,7 @@
           <a:p>
             <a:fld id="{818EDC40-6AF4-4983-959F-ADE1AB5153F8}" type="datetimeFigureOut">
               <a:rPr lang="en-GB" smtClean="0"/>
-              <a:t>01/03/2020</a:t>
+              <a:t>07/05/2020</a:t>
             </a:fld>
             <a:endParaRPr lang="en-GB"/>
           </a:p>
@@ -693,7 +694,7 @@
           <a:p>
             <a:fld id="{5F240B16-69E4-4A48-8336-B6AB43F9EE55}" type="datetime1">
               <a:rPr lang="en-GB" smtClean="0"/>
-              <a:t>01/03/2020</a:t>
+              <a:t>07/05/2020</a:t>
             </a:fld>
             <a:endParaRPr lang="en-GB"/>
           </a:p>
@@ -867,7 +868,7 @@
           <a:p>
             <a:fld id="{1140E01A-D2E7-4E70-A11A-1228FF2A0076}" type="datetime1">
               <a:rPr lang="en-GB" smtClean="0"/>
-              <a:t>01/03/2020</a:t>
+              <a:t>07/05/2020</a:t>
             </a:fld>
             <a:endParaRPr lang="en-GB"/>
           </a:p>
@@ -1051,7 +1052,7 @@
           <a:p>
             <a:fld id="{6CC5B6B8-A2AC-4300-B149-4A64EDA35060}" type="datetime1">
               <a:rPr lang="en-GB" smtClean="0"/>
-              <a:t>01/03/2020</a:t>
+              <a:t>07/05/2020</a:t>
             </a:fld>
             <a:endParaRPr lang="en-GB"/>
           </a:p>
@@ -1225,7 +1226,7 @@
           <a:p>
             <a:fld id="{57050878-92A7-4B6E-8BDD-28D138ABD5BD}" type="datetime1">
               <a:rPr lang="en-GB" smtClean="0"/>
-              <a:t>01/03/2020</a:t>
+              <a:t>07/05/2020</a:t>
             </a:fld>
             <a:endParaRPr lang="en-GB"/>
           </a:p>
@@ -1475,7 +1476,7 @@
           <a:p>
             <a:fld id="{10F8FE08-1F00-4F76-A634-6BFFF32A4D06}" type="datetime1">
               <a:rPr lang="en-GB" smtClean="0"/>
-              <a:t>01/03/2020</a:t>
+              <a:t>07/05/2020</a:t>
             </a:fld>
             <a:endParaRPr lang="en-GB"/>
           </a:p>
@@ -1711,7 +1712,7 @@
           <a:p>
             <a:fld id="{1F760AEC-14BB-44ED-8304-509E6A957805}" type="datetime1">
               <a:rPr lang="en-GB" smtClean="0"/>
-              <a:t>01/03/2020</a:t>
+              <a:t>07/05/2020</a:t>
             </a:fld>
             <a:endParaRPr lang="en-GB"/>
           </a:p>
@@ -2082,7 +2083,7 @@
           <a:p>
             <a:fld id="{F5210B06-AC59-4167-A147-8A97CE6BC2A6}" type="datetime1">
               <a:rPr lang="en-GB" smtClean="0"/>
-              <a:t>01/03/2020</a:t>
+              <a:t>07/05/2020</a:t>
             </a:fld>
             <a:endParaRPr lang="en-GB"/>
           </a:p>
@@ -2204,7 +2205,7 @@
           <a:p>
             <a:fld id="{B9F3A15F-80E2-4C2A-A6A8-164AD11C1EE4}" type="datetime1">
               <a:rPr lang="en-GB" smtClean="0"/>
-              <a:t>01/03/2020</a:t>
+              <a:t>07/05/2020</a:t>
             </a:fld>
             <a:endParaRPr lang="en-GB"/>
           </a:p>
@@ -2303,7 +2304,7 @@
           <a:p>
             <a:fld id="{540198BE-1545-4657-AD74-7628865DBD85}" type="datetime1">
               <a:rPr lang="en-GB" smtClean="0"/>
-              <a:t>01/03/2020</a:t>
+              <a:t>07/05/2020</a:t>
             </a:fld>
             <a:endParaRPr lang="en-GB"/>
           </a:p>
@@ -2584,7 +2585,7 @@
           <a:p>
             <a:fld id="{C0DBC7E1-0CA3-4EC6-9AA6-AAD8B9841CFA}" type="datetime1">
               <a:rPr lang="en-GB" smtClean="0"/>
-              <a:t>01/03/2020</a:t>
+              <a:t>07/05/2020</a:t>
             </a:fld>
             <a:endParaRPr lang="en-GB"/>
           </a:p>
@@ -2841,7 +2842,7 @@
           <a:p>
             <a:fld id="{41B21F39-D3AF-41D3-B445-34FF22CB0F33}" type="datetime1">
               <a:rPr lang="en-GB" smtClean="0"/>
-              <a:t>01/03/2020</a:t>
+              <a:t>07/05/2020</a:t>
             </a:fld>
             <a:endParaRPr lang="en-GB"/>
           </a:p>
@@ -3058,7 +3059,7 @@
           <a:p>
             <a:fld id="{22E8752F-2FBA-4EDF-B776-68C569AE8FB7}" type="datetime1">
               <a:rPr lang="en-GB" smtClean="0"/>
-              <a:t>01/03/2020</a:t>
+              <a:t>07/05/2020</a:t>
             </a:fld>
             <a:endParaRPr lang="en-GB"/>
           </a:p>
@@ -3830,7 +3831,7 @@
               <a:t>app.server</a:t>
             </a:r>
             <a:r>
-              <a:rPr lang="en-GB" sz="1800">
+              <a:rPr lang="en-GB" sz="1800" dirty="0">
                 <a:latin typeface="Arial" panose="020B0604020202020204" pitchFamily="34" charset="0"/>
                 <a:cs typeface="Arial" panose="020B0604020202020204" pitchFamily="34" charset="0"/>
               </a:rPr>
@@ -3849,6 +3850,16 @@
           </a:p>
           <a:p>
             <a:pPr>
+              <a:buFontTx/>
+              <a:buChar char="-"/>
+            </a:pPr>
+            <a:endParaRPr lang="en-GB" sz="1800" dirty="0">
+              <a:latin typeface="Arial" panose="020B0604020202020204" pitchFamily="34" charset="0"/>
+              <a:cs typeface="Arial" panose="020B0604020202020204" pitchFamily="34" charset="0"/>
+            </a:endParaRPr>
+          </a:p>
+          <a:p>
+            <a:pPr>
               <a:buFont typeface="Wingdings" panose="05000000000000000000" pitchFamily="2" charset="2"/>
               <a:buChar char="§"/>
             </a:pPr>
@@ -4171,6 +4182,473 @@
             <a:fld id="{A4C8CDC6-2C42-4831-B4F4-6013482D25AC}" type="slidenum">
               <a:rPr lang="en-GB" smtClean="0"/>
               <a:t>2</a:t>
+            </a:fld>
+            <a:endParaRPr lang="en-GB"/>
+          </a:p>
+        </p:txBody>
+      </p:sp>
+    </p:spTree>
+    <p:extLst>
+      <p:ext uri="{BB962C8B-B14F-4D97-AF65-F5344CB8AC3E}">
+        <p14:creationId xmlns:p14="http://schemas.microsoft.com/office/powerpoint/2010/main" val="1777372761"/>
+      </p:ext>
+    </p:extLst>
+  </p:cSld>
+  <p:clrMapOvr>
+    <a:masterClrMapping/>
+  </p:clrMapOvr>
+</p:sld>
+</file>
+
+<file path=ppt/slides/slide3.xml><?xml version="1.0" encoding="utf-8"?>
+<p:sld xmlns:a="http://schemas.openxmlformats.org/drawingml/2006/main" xmlns:r="http://schemas.openxmlformats.org/officeDocument/2006/relationships" xmlns:p="http://schemas.openxmlformats.org/presentationml/2006/main">
+  <p:cSld>
+    <p:spTree>
+      <p:nvGrpSpPr>
+        <p:cNvPr id="1" name=""/>
+        <p:cNvGrpSpPr/>
+        <p:nvPr/>
+      </p:nvGrpSpPr>
+      <p:grpSpPr>
+        <a:xfrm>
+          <a:off x="0" y="0"/>
+          <a:ext cx="0" cy="0"/>
+          <a:chOff x="0" y="0"/>
+          <a:chExt cx="0" cy="0"/>
+        </a:xfrm>
+      </p:grpSpPr>
+      <p:sp>
+        <p:nvSpPr>
+          <p:cNvPr id="2" name="Title 1">
+            <a:extLst>
+              <a:ext uri="{FF2B5EF4-FFF2-40B4-BE49-F238E27FC236}">
+                <a16:creationId xmlns:a16="http://schemas.microsoft.com/office/drawing/2014/main" id="{CE9D39DE-58E4-4F7D-BFFF-ABCD3F80F6C0}"/>
+              </a:ext>
+            </a:extLst>
+          </p:cNvPr>
+          <p:cNvSpPr>
+            <a:spLocks noGrp="1"/>
+          </p:cNvSpPr>
+          <p:nvPr>
+            <p:ph type="title"/>
+          </p:nvPr>
+        </p:nvSpPr>
+        <p:spPr>
+          <a:xfrm>
+            <a:off x="839788" y="365126"/>
+            <a:ext cx="10439400" cy="747238"/>
+          </a:xfrm>
+        </p:spPr>
+        <p:txBody>
+          <a:bodyPr>
+            <a:normAutofit/>
+          </a:bodyPr>
+          <a:lstStyle/>
+          <a:p>
+            <a:r>
+              <a:rPr lang="en-GB" sz="2400" b="1" dirty="0">
+                <a:solidFill>
+                  <a:srgbClr val="C00000"/>
+                </a:solidFill>
+                <a:latin typeface="Arial" panose="020B0604020202020204" pitchFamily="34" charset="0"/>
+                <a:ea typeface="+mn-ea"/>
+                <a:cs typeface="Arial" panose="020B0604020202020204" pitchFamily="34" charset="0"/>
+              </a:rPr>
+              <a:t>Steps for correct </a:t>
+            </a:r>
+            <a:r>
+              <a:rPr lang="en-GB" sz="2400" b="1" dirty="0">
+                <a:solidFill>
+                  <a:srgbClr val="C00000"/>
+                </a:solidFill>
+                <a:latin typeface="Arial" panose="020B0604020202020204" pitchFamily="34" charset="0"/>
+                <a:ea typeface="+mn-ea"/>
+                <a:cs typeface="Arial" panose="020B0604020202020204" pitchFamily="34" charset="0"/>
+                <a:hlinkClick r:id="rId2"/>
+              </a:rPr>
+              <a:t>Deployment </a:t>
+            </a:r>
+            <a:endParaRPr lang="en-GB" sz="2400" b="1" dirty="0">
+              <a:solidFill>
+                <a:srgbClr val="C00000"/>
+              </a:solidFill>
+              <a:latin typeface="Arial" panose="020B0604020202020204" pitchFamily="34" charset="0"/>
+              <a:ea typeface="+mn-ea"/>
+              <a:cs typeface="Arial" panose="020B0604020202020204" pitchFamily="34" charset="0"/>
+            </a:endParaRPr>
+          </a:p>
+        </p:txBody>
+      </p:sp>
+      <p:sp>
+        <p:nvSpPr>
+          <p:cNvPr id="4" name="Content Placeholder 3">
+            <a:extLst>
+              <a:ext uri="{FF2B5EF4-FFF2-40B4-BE49-F238E27FC236}">
+                <a16:creationId xmlns:a16="http://schemas.microsoft.com/office/drawing/2014/main" id="{2A72F672-450E-4C75-8312-350C0A1FC667}"/>
+              </a:ext>
+            </a:extLst>
+          </p:cNvPr>
+          <p:cNvSpPr>
+            <a:spLocks noGrp="1"/>
+          </p:cNvSpPr>
+          <p:nvPr>
+            <p:ph sz="half" idx="2"/>
+          </p:nvPr>
+        </p:nvSpPr>
+        <p:spPr>
+          <a:xfrm>
+            <a:off x="839788" y="1112364"/>
+            <a:ext cx="10439400" cy="5077299"/>
+          </a:xfrm>
+        </p:spPr>
+        <p:txBody>
+          <a:bodyPr>
+            <a:normAutofit/>
+          </a:bodyPr>
+          <a:lstStyle/>
+          <a:p>
+            <a:pPr marL="0" indent="0">
+              <a:buNone/>
+            </a:pPr>
+            <a:endParaRPr lang="en-GB" sz="1800" dirty="0">
+              <a:latin typeface="Arial" panose="020B0604020202020204" pitchFamily="34" charset="0"/>
+              <a:cs typeface="Arial" panose="020B0604020202020204" pitchFamily="34" charset="0"/>
+            </a:endParaRPr>
+          </a:p>
+          <a:p>
+            <a:pPr marL="0" indent="0">
+              <a:buNone/>
+            </a:pPr>
+            <a:r>
+              <a:rPr lang="en-GB" sz="1800" dirty="0">
+                <a:latin typeface="Arial" panose="020B0604020202020204" pitchFamily="34" charset="0"/>
+                <a:cs typeface="Arial" panose="020B0604020202020204" pitchFamily="34" charset="0"/>
+              </a:rPr>
+              <a:t>BETTER INSTUCTIONS </a:t>
+            </a:r>
+          </a:p>
+          <a:p>
+            <a:pPr marL="0" indent="0">
+              <a:buNone/>
+            </a:pPr>
+            <a:r>
+              <a:rPr lang="en-GB" sz="1800">
+                <a:hlinkClick r:id="rId3"/>
+              </a:rPr>
+              <a:t>https://dash.plotly.com/deployment</a:t>
+            </a:r>
+            <a:endParaRPr lang="en-GB" sz="1800" b="1" dirty="0">
+              <a:latin typeface="Arial" panose="020B0604020202020204" pitchFamily="34" charset="0"/>
+              <a:cs typeface="Arial" panose="020B0604020202020204" pitchFamily="34" charset="0"/>
+            </a:endParaRPr>
+          </a:p>
+          <a:p>
+            <a:pPr marL="0" indent="0">
+              <a:buNone/>
+            </a:pPr>
+            <a:endParaRPr lang="en-GB" sz="1800" dirty="0">
+              <a:latin typeface="Arial" panose="020B0604020202020204" pitchFamily="34" charset="0"/>
+              <a:cs typeface="Arial" panose="020B0604020202020204" pitchFamily="34" charset="0"/>
+            </a:endParaRPr>
+          </a:p>
+          <a:p>
+            <a:pPr marL="0" indent="0">
+              <a:buNone/>
+            </a:pPr>
+            <a:endParaRPr lang="en-GB" sz="1800" dirty="0">
+              <a:latin typeface="Arial" panose="020B0604020202020204" pitchFamily="34" charset="0"/>
+              <a:cs typeface="Arial" panose="020B0604020202020204" pitchFamily="34" charset="0"/>
+            </a:endParaRPr>
+          </a:p>
+          <a:p>
+            <a:pPr marL="0" indent="0">
+              <a:buNone/>
+            </a:pPr>
+            <a:endParaRPr lang="en-GB" sz="1800" dirty="0">
+              <a:latin typeface="Arial" panose="020B0604020202020204" pitchFamily="34" charset="0"/>
+              <a:cs typeface="Arial" panose="020B0604020202020204" pitchFamily="34" charset="0"/>
+            </a:endParaRPr>
+          </a:p>
+          <a:p>
+            <a:pPr marL="0" indent="0">
+              <a:buNone/>
+            </a:pPr>
+            <a:r>
+              <a:rPr lang="en-GB" sz="1800" dirty="0" err="1">
+                <a:latin typeface="Arial" panose="020B0604020202020204" pitchFamily="34" charset="0"/>
+                <a:cs typeface="Arial" panose="020B0604020202020204" pitchFamily="34" charset="0"/>
+              </a:rPr>
+              <a:t>procfile</a:t>
+            </a:r>
+            <a:r>
+              <a:rPr lang="en-GB" sz="1800" dirty="0">
+                <a:latin typeface="Arial" panose="020B0604020202020204" pitchFamily="34" charset="0"/>
+                <a:cs typeface="Arial" panose="020B0604020202020204" pitchFamily="34" charset="0"/>
+              </a:rPr>
+              <a:t> </a:t>
+            </a:r>
+          </a:p>
+          <a:p>
+            <a:pPr marL="0" indent="0">
+              <a:buNone/>
+            </a:pPr>
+            <a:r>
+              <a:rPr lang="en-GB" sz="1800" dirty="0">
+                <a:latin typeface="Arial" panose="020B0604020202020204" pitchFamily="34" charset="0"/>
+                <a:cs typeface="Arial" panose="020B0604020202020204" pitchFamily="34" charset="0"/>
+                <a:sym typeface="Wingdings" panose="05000000000000000000" pitchFamily="2" charset="2"/>
+              </a:rPr>
+              <a:t> Just fund one from git and downloaded it </a:t>
+            </a:r>
+            <a:endParaRPr lang="en-GB" sz="1800" dirty="0">
+              <a:latin typeface="Arial" panose="020B0604020202020204" pitchFamily="34" charset="0"/>
+              <a:cs typeface="Arial" panose="020B0604020202020204" pitchFamily="34" charset="0"/>
+            </a:endParaRPr>
+          </a:p>
+          <a:p>
+            <a:pPr marL="0" indent="0">
+              <a:buNone/>
+            </a:pPr>
+            <a:r>
+              <a:rPr lang="en-GB" sz="1800" dirty="0">
+                <a:latin typeface="Arial" panose="020B0604020202020204" pitchFamily="34" charset="0"/>
+                <a:cs typeface="Arial" panose="020B0604020202020204" pitchFamily="34" charset="0"/>
+                <a:sym typeface="Wingdings" panose="05000000000000000000" pitchFamily="2" charset="2"/>
+              </a:rPr>
+              <a:t> </a:t>
+            </a:r>
+            <a:r>
+              <a:rPr lang="en-GB" sz="1800" dirty="0" err="1">
+                <a:latin typeface="Arial" panose="020B0604020202020204" pitchFamily="34" charset="0"/>
+                <a:cs typeface="Arial" panose="020B0604020202020204" pitchFamily="34" charset="0"/>
+                <a:sym typeface="Wingdings" panose="05000000000000000000" pitchFamily="2" charset="2"/>
+              </a:rPr>
+              <a:t>Conda</a:t>
+            </a:r>
+            <a:r>
+              <a:rPr lang="en-GB" sz="1800" dirty="0">
+                <a:latin typeface="Arial" panose="020B0604020202020204" pitchFamily="34" charset="0"/>
+                <a:cs typeface="Arial" panose="020B0604020202020204" pitchFamily="34" charset="0"/>
+                <a:sym typeface="Wingdings" panose="05000000000000000000" pitchFamily="2" charset="2"/>
+              </a:rPr>
+              <a:t> terminal -&gt; </a:t>
+            </a:r>
+            <a:r>
+              <a:rPr lang="en-GB" sz="1800" dirty="0" err="1">
+                <a:latin typeface="Arial" panose="020B0604020202020204" pitchFamily="34" charset="0"/>
+                <a:cs typeface="Arial" panose="020B0604020202020204" pitchFamily="34" charset="0"/>
+                <a:sym typeface="Wingdings" panose="05000000000000000000" pitchFamily="2" charset="2"/>
+              </a:rPr>
+              <a:t>conda</a:t>
+            </a:r>
+            <a:r>
+              <a:rPr lang="en-GB" sz="1800" dirty="0">
+                <a:latin typeface="Arial" panose="020B0604020202020204" pitchFamily="34" charset="0"/>
+                <a:cs typeface="Arial" panose="020B0604020202020204" pitchFamily="34" charset="0"/>
+                <a:sym typeface="Wingdings" panose="05000000000000000000" pitchFamily="2" charset="2"/>
+              </a:rPr>
+              <a:t> list   (will find all packages – doesn't export)</a:t>
+            </a:r>
+            <a:endParaRPr lang="en-GB" sz="1800" dirty="0">
+              <a:latin typeface="Arial" panose="020B0604020202020204" pitchFamily="34" charset="0"/>
+              <a:cs typeface="Arial" panose="020B0604020202020204" pitchFamily="34" charset="0"/>
+            </a:endParaRPr>
+          </a:p>
+          <a:p>
+            <a:pPr>
+              <a:buFont typeface="Wingdings" panose="05000000000000000000" pitchFamily="2" charset="2"/>
+              <a:buChar char="§"/>
+            </a:pPr>
+            <a:endParaRPr lang="en-GB" sz="1800" dirty="0">
+              <a:latin typeface="Arial" panose="020B0604020202020204" pitchFamily="34" charset="0"/>
+              <a:cs typeface="Arial" panose="020B0604020202020204" pitchFamily="34" charset="0"/>
+            </a:endParaRPr>
+          </a:p>
+          <a:p>
+            <a:pPr>
+              <a:buFont typeface="Wingdings" panose="05000000000000000000" pitchFamily="2" charset="2"/>
+              <a:buChar char="§"/>
+            </a:pPr>
+            <a:endParaRPr lang="en-GB" sz="1800" dirty="0">
+              <a:latin typeface="Arial" panose="020B0604020202020204" pitchFamily="34" charset="0"/>
+              <a:cs typeface="Arial" panose="020B0604020202020204" pitchFamily="34" charset="0"/>
+            </a:endParaRPr>
+          </a:p>
+          <a:p>
+            <a:pPr>
+              <a:buFont typeface="Wingdings" panose="05000000000000000000" pitchFamily="2" charset="2"/>
+              <a:buChar char="§"/>
+            </a:pPr>
+            <a:endParaRPr lang="en-GB" sz="1400" dirty="0">
+              <a:latin typeface="Arial" panose="020B0604020202020204" pitchFamily="34" charset="0"/>
+              <a:cs typeface="Arial" panose="020B0604020202020204" pitchFamily="34" charset="0"/>
+            </a:endParaRPr>
+          </a:p>
+          <a:p>
+            <a:pPr>
+              <a:buFont typeface="Wingdings" panose="05000000000000000000" pitchFamily="2" charset="2"/>
+              <a:buChar char="§"/>
+            </a:pPr>
+            <a:endParaRPr lang="en-GB" sz="1400" dirty="0">
+              <a:latin typeface="Arial" panose="020B0604020202020204" pitchFamily="34" charset="0"/>
+              <a:cs typeface="Arial" panose="020B0604020202020204" pitchFamily="34" charset="0"/>
+            </a:endParaRPr>
+          </a:p>
+          <a:p>
+            <a:pPr>
+              <a:buFont typeface="Wingdings" panose="05000000000000000000" pitchFamily="2" charset="2"/>
+              <a:buChar char="§"/>
+            </a:pPr>
+            <a:endParaRPr lang="en-GB" sz="1400" dirty="0">
+              <a:latin typeface="Arial" panose="020B0604020202020204" pitchFamily="34" charset="0"/>
+              <a:cs typeface="Arial" panose="020B0604020202020204" pitchFamily="34" charset="0"/>
+            </a:endParaRPr>
+          </a:p>
+          <a:p>
+            <a:pPr>
+              <a:buFont typeface="Wingdings" panose="05000000000000000000" pitchFamily="2" charset="2"/>
+              <a:buChar char="§"/>
+            </a:pPr>
+            <a:endParaRPr lang="en-GB" sz="1400" dirty="0">
+              <a:latin typeface="Arial" panose="020B0604020202020204" pitchFamily="34" charset="0"/>
+              <a:cs typeface="Arial" panose="020B0604020202020204" pitchFamily="34" charset="0"/>
+            </a:endParaRPr>
+          </a:p>
+          <a:p>
+            <a:pPr>
+              <a:buFont typeface="Wingdings" panose="05000000000000000000" pitchFamily="2" charset="2"/>
+              <a:buChar char="§"/>
+            </a:pPr>
+            <a:endParaRPr lang="en-GB" sz="1400" dirty="0">
+              <a:latin typeface="Arial" panose="020B0604020202020204" pitchFamily="34" charset="0"/>
+              <a:cs typeface="Arial" panose="020B0604020202020204" pitchFamily="34" charset="0"/>
+            </a:endParaRPr>
+          </a:p>
+          <a:p>
+            <a:pPr>
+              <a:buFont typeface="Wingdings" panose="05000000000000000000" pitchFamily="2" charset="2"/>
+              <a:buChar char="§"/>
+            </a:pPr>
+            <a:endParaRPr lang="en-GB" sz="1400" dirty="0">
+              <a:latin typeface="Arial" panose="020B0604020202020204" pitchFamily="34" charset="0"/>
+              <a:cs typeface="Arial" panose="020B0604020202020204" pitchFamily="34" charset="0"/>
+            </a:endParaRPr>
+          </a:p>
+          <a:p>
+            <a:pPr>
+              <a:buFont typeface="Wingdings" panose="05000000000000000000" pitchFamily="2" charset="2"/>
+              <a:buChar char="§"/>
+            </a:pPr>
+            <a:endParaRPr lang="en-GB" sz="1400" dirty="0">
+              <a:latin typeface="Arial" panose="020B0604020202020204" pitchFamily="34" charset="0"/>
+              <a:cs typeface="Arial" panose="020B0604020202020204" pitchFamily="34" charset="0"/>
+            </a:endParaRPr>
+          </a:p>
+          <a:p>
+            <a:pPr>
+              <a:buFont typeface="Wingdings" panose="05000000000000000000" pitchFamily="2" charset="2"/>
+              <a:buChar char="§"/>
+            </a:pPr>
+            <a:endParaRPr lang="en-GB" sz="1400" dirty="0">
+              <a:latin typeface="Arial" panose="020B0604020202020204" pitchFamily="34" charset="0"/>
+              <a:cs typeface="Arial" panose="020B0604020202020204" pitchFamily="34" charset="0"/>
+            </a:endParaRPr>
+          </a:p>
+          <a:p>
+            <a:pPr>
+              <a:buFont typeface="Wingdings" panose="05000000000000000000" pitchFamily="2" charset="2"/>
+              <a:buChar char="§"/>
+            </a:pPr>
+            <a:endParaRPr lang="en-GB" sz="1400" dirty="0">
+              <a:latin typeface="Arial" panose="020B0604020202020204" pitchFamily="34" charset="0"/>
+              <a:cs typeface="Arial" panose="020B0604020202020204" pitchFamily="34" charset="0"/>
+            </a:endParaRPr>
+          </a:p>
+          <a:p>
+            <a:pPr>
+              <a:buFont typeface="Wingdings" panose="05000000000000000000" pitchFamily="2" charset="2"/>
+              <a:buChar char="§"/>
+            </a:pPr>
+            <a:endParaRPr lang="en-GB" sz="1400" dirty="0">
+              <a:latin typeface="Arial" panose="020B0604020202020204" pitchFamily="34" charset="0"/>
+              <a:cs typeface="Arial" panose="020B0604020202020204" pitchFamily="34" charset="0"/>
+            </a:endParaRPr>
+          </a:p>
+          <a:p>
+            <a:pPr>
+              <a:buFont typeface="Wingdings" panose="05000000000000000000" pitchFamily="2" charset="2"/>
+              <a:buChar char="§"/>
+            </a:pPr>
+            <a:endParaRPr lang="en-GB" sz="1400" dirty="0">
+              <a:latin typeface="Arial" panose="020B0604020202020204" pitchFamily="34" charset="0"/>
+              <a:cs typeface="Arial" panose="020B0604020202020204" pitchFamily="34" charset="0"/>
+            </a:endParaRPr>
+          </a:p>
+          <a:p>
+            <a:pPr>
+              <a:buFont typeface="Wingdings" panose="05000000000000000000" pitchFamily="2" charset="2"/>
+              <a:buChar char="§"/>
+            </a:pPr>
+            <a:endParaRPr lang="en-GB" sz="1400" dirty="0">
+              <a:latin typeface="Arial" panose="020B0604020202020204" pitchFamily="34" charset="0"/>
+              <a:cs typeface="Arial" panose="020B0604020202020204" pitchFamily="34" charset="0"/>
+            </a:endParaRPr>
+          </a:p>
+        </p:txBody>
+      </p:sp>
+      <p:sp>
+        <p:nvSpPr>
+          <p:cNvPr id="7" name="Footer Placeholder 6">
+            <a:extLst>
+              <a:ext uri="{FF2B5EF4-FFF2-40B4-BE49-F238E27FC236}">
+                <a16:creationId xmlns:a16="http://schemas.microsoft.com/office/drawing/2014/main" id="{3FBF2E33-ACB5-4D4C-B940-C35EB6281647}"/>
+              </a:ext>
+            </a:extLst>
+          </p:cNvPr>
+          <p:cNvSpPr>
+            <a:spLocks noGrp="1"/>
+          </p:cNvSpPr>
+          <p:nvPr>
+            <p:ph type="ftr" sz="quarter" idx="11"/>
+          </p:nvPr>
+        </p:nvSpPr>
+        <p:spPr/>
+        <p:txBody>
+          <a:bodyPr/>
+          <a:lstStyle/>
+          <a:p>
+            <a:r>
+              <a:rPr lang="pt-BR"/>
+              <a:t>Alex Papakyriacou  09alexpapa@gmail.com</a:t>
+            </a:r>
+            <a:endParaRPr lang="en-GB"/>
+          </a:p>
+        </p:txBody>
+      </p:sp>
+      <p:sp>
+        <p:nvSpPr>
+          <p:cNvPr id="8" name="Slide Number Placeholder 7">
+            <a:extLst>
+              <a:ext uri="{FF2B5EF4-FFF2-40B4-BE49-F238E27FC236}">
+                <a16:creationId xmlns:a16="http://schemas.microsoft.com/office/drawing/2014/main" id="{87074E69-1923-4579-A3FC-328DAE9829BD}"/>
+              </a:ext>
+            </a:extLst>
+          </p:cNvPr>
+          <p:cNvSpPr>
+            <a:spLocks noGrp="1"/>
+          </p:cNvSpPr>
+          <p:nvPr>
+            <p:ph type="sldNum" sz="quarter" idx="12"/>
+          </p:nvPr>
+        </p:nvSpPr>
+        <p:spPr/>
+        <p:txBody>
+          <a:bodyPr/>
+          <a:lstStyle/>
+          <a:p>
+            <a:fld id="{A4C8CDC6-2C42-4831-B4F4-6013482D25AC}" type="slidenum">
+              <a:rPr lang="en-GB" smtClean="0"/>
+              <a:t>3</a:t>
             </a:fld>
             <a:endParaRPr lang="en-GB"/>
           </a:p>
